--- a/presentations/source/09c-WS-SecurityPolicy.pptx
+++ b/presentations/source/09c-WS-SecurityPolicy.pptx
@@ -241,7 +241,7 @@
             <a:fld id="{7307762F-A706-E543-A832-3C298AA3103F}" type="datetimeFigureOut">
               <a:rPr lang="en-US" smtClean="0"/>
               <a:pPr/>
-              <a:t>09/12/2012</a:t>
+              <a:t>11/21/14</a:t>
             </a:fld>
             <a:endParaRPr lang="en-US" dirty="0"/>
           </a:p>
@@ -26724,7 +26724,7 @@
           <a:p>
             <a:fld id="{875CF0EB-321F-0749-B37A-89BBA859503C}" type="datetimeFigureOut">
               <a:rPr lang="en-US" smtClean="0"/>
-              <a:t>09/12/2012</a:t>
+              <a:t>11/21/14</a:t>
             </a:fld>
             <a:endParaRPr lang="en-US"/>
           </a:p>
@@ -26928,7 +26928,7 @@
           <a:p>
             <a:fld id="{875CF0EB-321F-0749-B37A-89BBA859503C}" type="datetimeFigureOut">
               <a:rPr lang="en-US" smtClean="0"/>
-              <a:t>09/12/2012</a:t>
+              <a:t>11/21/14</a:t>
             </a:fld>
             <a:endParaRPr lang="en-US"/>
           </a:p>
@@ -27122,7 +27122,7 @@
           <a:p>
             <a:fld id="{875CF0EB-321F-0749-B37A-89BBA859503C}" type="datetimeFigureOut">
               <a:rPr lang="en-US" smtClean="0"/>
-              <a:t>09/12/2012</a:t>
+              <a:t>11/21/14</a:t>
             </a:fld>
             <a:endParaRPr lang="en-US"/>
           </a:p>
@@ -27392,7 +27392,7 @@
           <a:p>
             <a:fld id="{875CF0EB-321F-0749-B37A-89BBA859503C}" type="datetimeFigureOut">
               <a:rPr lang="en-US" smtClean="0"/>
-              <a:t>09/12/2012</a:t>
+              <a:t>11/21/14</a:t>
             </a:fld>
             <a:endParaRPr lang="en-US"/>
           </a:p>
@@ -27704,7 +27704,7 @@
           <a:p>
             <a:fld id="{875CF0EB-321F-0749-B37A-89BBA859503C}" type="datetimeFigureOut">
               <a:rPr lang="en-US" smtClean="0"/>
-              <a:t>09/12/2012</a:t>
+              <a:t>11/21/14</a:t>
             </a:fld>
             <a:endParaRPr lang="en-US"/>
           </a:p>
@@ -28150,7 +28150,7 @@
           <a:p>
             <a:fld id="{875CF0EB-321F-0749-B37A-89BBA859503C}" type="datetimeFigureOut">
               <a:rPr lang="en-US" smtClean="0"/>
-              <a:t>09/12/2012</a:t>
+              <a:t>11/21/14</a:t>
             </a:fld>
             <a:endParaRPr lang="en-US"/>
           </a:p>
@@ -28292,7 +28292,7 @@
           <a:p>
             <a:fld id="{875CF0EB-321F-0749-B37A-89BBA859503C}" type="datetimeFigureOut">
               <a:rPr lang="en-US" smtClean="0"/>
-              <a:t>09/12/2012</a:t>
+              <a:t>11/21/14</a:t>
             </a:fld>
             <a:endParaRPr lang="en-US"/>
           </a:p>
@@ -28411,7 +28411,7 @@
           <a:p>
             <a:fld id="{875CF0EB-321F-0749-B37A-89BBA859503C}" type="datetimeFigureOut">
               <a:rPr lang="en-US" smtClean="0"/>
-              <a:t>09/12/2012</a:t>
+              <a:t>11/21/14</a:t>
             </a:fld>
             <a:endParaRPr lang="en-US"/>
           </a:p>
@@ -28712,7 +28712,7 @@
           <a:p>
             <a:fld id="{875CF0EB-321F-0749-B37A-89BBA859503C}" type="datetimeFigureOut">
               <a:rPr lang="en-US" smtClean="0"/>
-              <a:t>09/12/2012</a:t>
+              <a:t>11/21/14</a:t>
             </a:fld>
             <a:endParaRPr lang="en-US"/>
           </a:p>
@@ -28989,7 +28989,7 @@
           <a:p>
             <a:fld id="{875CF0EB-321F-0749-B37A-89BBA859503C}" type="datetimeFigureOut">
               <a:rPr lang="en-US" smtClean="0"/>
-              <a:t>09/12/2012</a:t>
+              <a:t>11/21/14</a:t>
             </a:fld>
             <a:endParaRPr lang="en-US"/>
           </a:p>
@@ -29798,25 +29798,6 @@
               <a:t>SecurityPolicy</a:t>
             </a:r>
             <a:endParaRPr lang="en-US" dirty="0"/>
-          </a:p>
-        </p:txBody>
-      </p:sp>
-      <p:sp>
-        <p:nvSpPr>
-          <p:cNvPr id="5" name="Subtitle 4"/>
-          <p:cNvSpPr>
-            <a:spLocks noGrp="1"/>
-          </p:cNvSpPr>
-          <p:nvPr>
-            <p:ph type="subTitle" idx="1"/>
-          </p:nvPr>
-        </p:nvSpPr>
-        <p:spPr/>
-        <p:txBody>
-          <a:bodyPr/>
-          <a:lstStyle/>
-          <a:p>
-            <a:endParaRPr lang="en-US"/>
           </a:p>
         </p:txBody>
       </p:sp>
